--- a/presentation/presentation_3-12-2025.pptx
+++ b/presentation/presentation_3-12-2025.pptx
@@ -226,7 +226,7 @@
           <a:p>
             <a:fld id="{D0989554-DF78-4BEF-804E-2F94364898A9}" type="datetimeFigureOut">
               <a:rPr lang="en-US" smtClean="0"/>
-              <a:t>12/3/2025</a:t>
+              <a:t>12/4/2025</a:t>
             </a:fld>
             <a:endParaRPr lang="en-US" dirty="0"/>
           </a:p>
@@ -578,6 +578,1120 @@
 </p:notes>
 </file>
 
+<file path=ppt/notesSlides/notesSlide10.xml><?xml version="1.0" encoding="utf-8"?>
+<p:notes xmlns:a="http://schemas.openxmlformats.org/drawingml/2006/main" xmlns:r="http://schemas.openxmlformats.org/officeDocument/2006/relationships" xmlns:p="http://schemas.openxmlformats.org/presentationml/2006/main">
+  <p:cSld>
+    <p:spTree>
+      <p:nvGrpSpPr>
+        <p:cNvPr id="1" name=""/>
+        <p:cNvGrpSpPr/>
+        <p:nvPr/>
+      </p:nvGrpSpPr>
+      <p:grpSpPr>
+        <a:xfrm>
+          <a:off x="0" y="0"/>
+          <a:ext cx="0" cy="0"/>
+          <a:chOff x="0" y="0"/>
+          <a:chExt cx="0" cy="0"/>
+        </a:xfrm>
+      </p:grpSpPr>
+      <p:sp>
+        <p:nvSpPr>
+          <p:cNvPr id="2" name="Marcador de Posição da Imagem do Diapositivo 1"/>
+          <p:cNvSpPr>
+            <a:spLocks noGrp="1" noRot="1" noChangeAspect="1"/>
+          </p:cNvSpPr>
+          <p:nvPr>
+            <p:ph type="sldImg"/>
+          </p:nvPr>
+        </p:nvSpPr>
+        <p:spPr/>
+      </p:sp>
+      <p:sp>
+        <p:nvSpPr>
+          <p:cNvPr id="3" name="Marcador de Posição de Notas 2"/>
+          <p:cNvSpPr>
+            <a:spLocks noGrp="1"/>
+          </p:cNvSpPr>
+          <p:nvPr>
+            <p:ph type="body" idx="1"/>
+          </p:nvPr>
+        </p:nvSpPr>
+        <p:spPr/>
+        <p:txBody>
+          <a:bodyPr/>
+          <a:lstStyle/>
+          <a:p>
+            <a:pPr marL="171450" indent="-171450">
+              <a:buFontTx/>
+              <a:buChar char="-"/>
+            </a:pPr>
+            <a:r>
+              <a:rPr lang="en-US" dirty="0"/>
+              <a:t>Falar do  </a:t>
+            </a:r>
+            <a:r>
+              <a:rPr lang="en-US" dirty="0" err="1"/>
+              <a:t>estado</a:t>
+            </a:r>
+            <a:r>
+              <a:rPr lang="en-US" dirty="0"/>
+              <a:t> da </a:t>
+            </a:r>
+            <a:r>
+              <a:rPr lang="en-US" dirty="0" err="1"/>
+              <a:t>arte</a:t>
+            </a:r>
+            <a:r>
+              <a:rPr lang="en-US" dirty="0"/>
+              <a:t> e </a:t>
+            </a:r>
+            <a:r>
+              <a:rPr lang="en-US" dirty="0" err="1"/>
+              <a:t>que</a:t>
+            </a:r>
+            <a:r>
+              <a:rPr lang="en-US" dirty="0"/>
+              <a:t> </a:t>
+            </a:r>
+            <a:r>
+              <a:rPr lang="en-US" dirty="0" err="1"/>
+              <a:t>bibliotecas</a:t>
+            </a:r>
+            <a:r>
+              <a:rPr lang="en-US" dirty="0"/>
+              <a:t>/engines </a:t>
+            </a:r>
+            <a:r>
+              <a:rPr lang="en-US" dirty="0" err="1"/>
+              <a:t>são</a:t>
+            </a:r>
+            <a:r>
+              <a:rPr lang="en-US" dirty="0"/>
+              <a:t> </a:t>
+            </a:r>
+            <a:r>
+              <a:rPr lang="en-US" dirty="0" err="1"/>
+              <a:t>estes</a:t>
+            </a:r>
+            <a:endParaRPr lang="en-US" dirty="0"/>
+          </a:p>
+          <a:p>
+            <a:pPr marL="171450" indent="-171450">
+              <a:buFontTx/>
+              <a:buChar char="-"/>
+            </a:pPr>
+            <a:r>
+              <a:rPr lang="en-US" dirty="0"/>
+              <a:t>RE2 é </a:t>
+            </a:r>
+            <a:r>
+              <a:rPr lang="en-US" dirty="0" err="1"/>
+              <a:t>baseado</a:t>
+            </a:r>
+            <a:r>
+              <a:rPr lang="en-US" dirty="0"/>
+              <a:t> </a:t>
+            </a:r>
+            <a:r>
+              <a:rPr lang="en-US" dirty="0" err="1"/>
+              <a:t>em</a:t>
+            </a:r>
+            <a:r>
+              <a:rPr lang="en-US" dirty="0"/>
+              <a:t> DFA – immune a REDOS </a:t>
+            </a:r>
+            <a:r>
+              <a:rPr lang="en-US" dirty="0" err="1"/>
+              <a:t>porque</a:t>
+            </a:r>
+            <a:r>
+              <a:rPr lang="en-US" dirty="0"/>
+              <a:t> </a:t>
+            </a:r>
+            <a:r>
+              <a:rPr lang="en-US" dirty="0" err="1"/>
+              <a:t>não</a:t>
+            </a:r>
+            <a:r>
+              <a:rPr lang="en-US" dirty="0"/>
+              <a:t> </a:t>
+            </a:r>
+            <a:r>
+              <a:rPr lang="en-US" dirty="0" err="1"/>
+              <a:t>tem</a:t>
+            </a:r>
+            <a:r>
+              <a:rPr lang="en-US" dirty="0"/>
+              <a:t> backtracking – features </a:t>
+            </a:r>
+            <a:r>
+              <a:rPr lang="en-US" dirty="0" err="1"/>
+              <a:t>limitadas</a:t>
+            </a:r>
+            <a:r>
+              <a:rPr lang="en-US" dirty="0"/>
+              <a:t> (no backreferences / </a:t>
+            </a:r>
+            <a:r>
+              <a:rPr lang="en-US" dirty="0" err="1"/>
+              <a:t>lookaround</a:t>
+            </a:r>
+            <a:r>
+              <a:rPr lang="en-US" dirty="0"/>
+              <a:t>)</a:t>
+            </a:r>
+          </a:p>
+          <a:p>
+            <a:pPr marL="171450" indent="-171450">
+              <a:buFontTx/>
+              <a:buChar char="-"/>
+            </a:pPr>
+            <a:r>
+              <a:rPr lang="en-US" dirty="0"/>
+              <a:t>PCRE2 – </a:t>
+            </a:r>
+            <a:r>
+              <a:rPr lang="en-US" dirty="0" err="1"/>
+              <a:t>vulneravel</a:t>
+            </a:r>
+            <a:r>
+              <a:rPr lang="en-US" dirty="0"/>
+              <a:t> a </a:t>
+            </a:r>
+            <a:r>
+              <a:rPr lang="en-US" dirty="0" err="1"/>
+              <a:t>ReDoS</a:t>
+            </a:r>
+            <a:r>
+              <a:rPr lang="en-US" dirty="0"/>
+              <a:t> (</a:t>
+            </a:r>
+            <a:r>
+              <a:rPr lang="en-US" dirty="0" err="1"/>
+              <a:t>usa</a:t>
+            </a:r>
+            <a:r>
+              <a:rPr lang="en-US" dirty="0"/>
+              <a:t> backtracking) – </a:t>
+            </a:r>
+            <a:r>
+              <a:rPr lang="en-US" dirty="0" err="1"/>
+              <a:t>syntaxe</a:t>
+            </a:r>
+            <a:r>
+              <a:rPr lang="en-US" dirty="0"/>
+              <a:t> PCRE</a:t>
+            </a:r>
+          </a:p>
+          <a:p>
+            <a:pPr marL="171450" indent="-171450">
+              <a:buFontTx/>
+              <a:buChar char="-"/>
+            </a:pPr>
+            <a:r>
+              <a:rPr lang="en-US" dirty="0" err="1"/>
+              <a:t>Hyperscan</a:t>
+            </a:r>
+            <a:r>
+              <a:rPr lang="en-US" dirty="0"/>
+              <a:t> – </a:t>
+            </a:r>
+            <a:r>
+              <a:rPr lang="en-US" dirty="0" err="1"/>
+              <a:t>híbrido</a:t>
+            </a:r>
+            <a:r>
+              <a:rPr lang="en-US" dirty="0"/>
+              <a:t> DFA + NFA – filtering </a:t>
+            </a:r>
+            <a:r>
+              <a:rPr lang="en-US" dirty="0" err="1"/>
+              <a:t>em</a:t>
+            </a:r>
+            <a:r>
+              <a:rPr lang="en-US" dirty="0"/>
+              <a:t> tempo real</a:t>
+            </a:r>
+          </a:p>
+          <a:p>
+            <a:pPr marL="171450" indent="-171450">
+              <a:buFontTx/>
+              <a:buChar char="-"/>
+            </a:pPr>
+            <a:r>
+              <a:rPr lang="en-US" dirty="0"/>
+              <a:t>Regex crate  - NFA/DFA </a:t>
+            </a:r>
+            <a:r>
+              <a:rPr lang="en-US" dirty="0" err="1"/>
+              <a:t>hibrido</a:t>
+            </a:r>
+            <a:r>
+              <a:rPr lang="en-US" dirty="0"/>
+              <a:t> </a:t>
+            </a:r>
+            <a:r>
+              <a:rPr lang="en-US" dirty="0" err="1"/>
+              <a:t>sem</a:t>
+            </a:r>
+            <a:r>
+              <a:rPr lang="en-US" dirty="0"/>
+              <a:t> backtracking – matching </a:t>
+            </a:r>
+            <a:r>
+              <a:rPr lang="en-US" dirty="0" err="1"/>
+              <a:t>em</a:t>
+            </a:r>
+            <a:r>
+              <a:rPr lang="en-US" dirty="0"/>
+              <a:t> tempo linear</a:t>
+            </a:r>
+          </a:p>
+        </p:txBody>
+      </p:sp>
+      <p:sp>
+        <p:nvSpPr>
+          <p:cNvPr id="4" name="Marcador de Posição do Número do Diapositivo 3"/>
+          <p:cNvSpPr>
+            <a:spLocks noGrp="1"/>
+          </p:cNvSpPr>
+          <p:nvPr>
+            <p:ph type="sldNum" sz="quarter" idx="5"/>
+          </p:nvPr>
+        </p:nvSpPr>
+        <p:spPr/>
+        <p:txBody>
+          <a:bodyPr/>
+          <a:lstStyle/>
+          <a:p>
+            <a:fld id="{00D2B721-151F-4066-8A78-AC7D988DF614}" type="slidenum">
+              <a:rPr lang="en-US" smtClean="0"/>
+              <a:t>15</a:t>
+            </a:fld>
+            <a:endParaRPr lang="en-US" dirty="0"/>
+          </a:p>
+        </p:txBody>
+      </p:sp>
+    </p:spTree>
+    <p:extLst>
+      <p:ext uri="{BB962C8B-B14F-4D97-AF65-F5344CB8AC3E}">
+        <p14:creationId xmlns:p14="http://schemas.microsoft.com/office/powerpoint/2010/main" val="4138994161"/>
+      </p:ext>
+    </p:extLst>
+  </p:cSld>
+  <p:clrMapOvr>
+    <a:masterClrMapping/>
+  </p:clrMapOvr>
+</p:notes>
+</file>
+
+<file path=ppt/notesSlides/notesSlide11.xml><?xml version="1.0" encoding="utf-8"?>
+<p:notes xmlns:a="http://schemas.openxmlformats.org/drawingml/2006/main" xmlns:r="http://schemas.openxmlformats.org/officeDocument/2006/relationships" xmlns:p="http://schemas.openxmlformats.org/presentationml/2006/main">
+  <p:cSld>
+    <p:spTree>
+      <p:nvGrpSpPr>
+        <p:cNvPr id="1" name=""/>
+        <p:cNvGrpSpPr/>
+        <p:nvPr/>
+      </p:nvGrpSpPr>
+      <p:grpSpPr>
+        <a:xfrm>
+          <a:off x="0" y="0"/>
+          <a:ext cx="0" cy="0"/>
+          <a:chOff x="0" y="0"/>
+          <a:chExt cx="0" cy="0"/>
+        </a:xfrm>
+      </p:grpSpPr>
+      <p:sp>
+        <p:nvSpPr>
+          <p:cNvPr id="2" name="Marcador de Posição da Imagem do Diapositivo 1"/>
+          <p:cNvSpPr>
+            <a:spLocks noGrp="1" noRot="1" noChangeAspect="1"/>
+          </p:cNvSpPr>
+          <p:nvPr>
+            <p:ph type="sldImg"/>
+          </p:nvPr>
+        </p:nvSpPr>
+        <p:spPr/>
+      </p:sp>
+      <p:sp>
+        <p:nvSpPr>
+          <p:cNvPr id="3" name="Marcador de Posição de Notas 2"/>
+          <p:cNvSpPr>
+            <a:spLocks noGrp="1"/>
+          </p:cNvSpPr>
+          <p:nvPr>
+            <p:ph type="body" idx="1"/>
+          </p:nvPr>
+        </p:nvSpPr>
+        <p:spPr/>
+        <p:txBody>
+          <a:bodyPr/>
+          <a:lstStyle/>
+          <a:p>
+            <a:pPr marL="171450" indent="-171450">
+              <a:buFontTx/>
+              <a:buChar char="-"/>
+            </a:pPr>
+            <a:r>
+              <a:rPr lang="en-US" dirty="0" err="1"/>
+              <a:t>Mencionar</a:t>
+            </a:r>
+            <a:r>
+              <a:rPr lang="en-US" dirty="0"/>
+              <a:t> </a:t>
+            </a:r>
+            <a:r>
+              <a:rPr lang="en-US" dirty="0" err="1"/>
+              <a:t>que</a:t>
+            </a:r>
+            <a:r>
+              <a:rPr lang="en-US" dirty="0"/>
+              <a:t> é </a:t>
+            </a:r>
+            <a:r>
+              <a:rPr lang="en-US" dirty="0" err="1"/>
+              <a:t>possivel</a:t>
+            </a:r>
+            <a:r>
+              <a:rPr lang="en-US" dirty="0"/>
+              <a:t> </a:t>
+            </a:r>
+            <a:r>
+              <a:rPr lang="en-US" dirty="0" err="1"/>
+              <a:t>detetar</a:t>
+            </a:r>
+            <a:r>
+              <a:rPr lang="en-US" dirty="0"/>
+              <a:t> </a:t>
+            </a:r>
+            <a:r>
+              <a:rPr lang="en-US" dirty="0" err="1"/>
+              <a:t>ReDoS</a:t>
+            </a:r>
+            <a:endParaRPr lang="en-US" dirty="0"/>
+          </a:p>
+          <a:p>
+            <a:pPr marL="171450" indent="-171450">
+              <a:buFontTx/>
+              <a:buChar char="-"/>
+            </a:pPr>
+            <a:r>
+              <a:rPr lang="en-US" dirty="0"/>
+              <a:t>Revealer: </a:t>
+            </a:r>
+            <a:r>
+              <a:rPr lang="en-US" dirty="0" err="1"/>
+              <a:t>analise</a:t>
+            </a:r>
+            <a:r>
+              <a:rPr lang="en-US" dirty="0"/>
+              <a:t> </a:t>
+            </a:r>
+            <a:r>
+              <a:rPr lang="en-US" dirty="0" err="1"/>
+              <a:t>estática</a:t>
+            </a:r>
+            <a:r>
+              <a:rPr lang="en-US" dirty="0"/>
+              <a:t> para </a:t>
+            </a:r>
+            <a:r>
+              <a:rPr lang="en-US" dirty="0" err="1"/>
+              <a:t>identificar</a:t>
+            </a:r>
+            <a:r>
+              <a:rPr lang="en-US" dirty="0"/>
+              <a:t> </a:t>
+            </a:r>
+            <a:r>
+              <a:rPr lang="en-US" dirty="0" err="1"/>
+              <a:t>expressões</a:t>
+            </a:r>
+            <a:r>
+              <a:rPr lang="en-US" dirty="0"/>
+              <a:t> </a:t>
+            </a:r>
+            <a:r>
+              <a:rPr lang="en-US" dirty="0" err="1"/>
+              <a:t>vuneráveis</a:t>
+            </a:r>
+            <a:r>
+              <a:rPr lang="en-US" dirty="0"/>
+              <a:t> – </a:t>
+            </a:r>
+            <a:r>
+              <a:rPr lang="en-US" dirty="0" err="1"/>
+              <a:t>detecta</a:t>
+            </a:r>
+            <a:r>
+              <a:rPr lang="en-US" dirty="0"/>
+              <a:t> regexes com </a:t>
+            </a:r>
+            <a:r>
+              <a:rPr lang="en-US" dirty="0" err="1"/>
+              <a:t>comportamento</a:t>
+            </a:r>
+            <a:r>
+              <a:rPr lang="en-US" dirty="0"/>
+              <a:t> de backtracking </a:t>
+            </a:r>
+            <a:r>
+              <a:rPr lang="en-US" dirty="0" err="1"/>
+              <a:t>exponencial</a:t>
+            </a:r>
+            <a:endParaRPr lang="en-US" dirty="0"/>
+          </a:p>
+          <a:p>
+            <a:pPr marL="171450" indent="-171450">
+              <a:buFontTx/>
+              <a:buChar char="-"/>
+            </a:pPr>
+            <a:r>
+              <a:rPr lang="en-US" dirty="0" err="1"/>
+              <a:t>ReScue</a:t>
+            </a:r>
+            <a:r>
+              <a:rPr lang="en-US" dirty="0"/>
+              <a:t>: </a:t>
+            </a:r>
+            <a:r>
+              <a:rPr lang="en-US" dirty="0" err="1"/>
+              <a:t>explora</a:t>
+            </a:r>
+            <a:r>
+              <a:rPr lang="en-US" dirty="0"/>
+              <a:t> a </a:t>
+            </a:r>
+            <a:r>
+              <a:rPr lang="en-US" dirty="0" err="1"/>
+              <a:t>estrutura</a:t>
+            </a:r>
+            <a:r>
+              <a:rPr lang="en-US" dirty="0"/>
+              <a:t> da regex – Estima a </a:t>
+            </a:r>
+            <a:r>
+              <a:rPr lang="en-US" dirty="0" err="1"/>
+              <a:t>complexidade</a:t>
+            </a:r>
+            <a:r>
+              <a:rPr lang="en-US" dirty="0"/>
+              <a:t> do </a:t>
+            </a:r>
+            <a:r>
+              <a:rPr lang="en-US" dirty="0" err="1"/>
+              <a:t>pior</a:t>
+            </a:r>
+            <a:r>
+              <a:rPr lang="en-US" dirty="0"/>
+              <a:t> </a:t>
+            </a:r>
+            <a:r>
+              <a:rPr lang="en-US" dirty="0" err="1"/>
+              <a:t>caso</a:t>
+            </a:r>
+            <a:r>
+              <a:rPr lang="en-US" dirty="0"/>
+              <a:t> – </a:t>
+            </a:r>
+            <a:r>
+              <a:rPr lang="en-US" dirty="0" err="1"/>
+              <a:t>menciona</a:t>
+            </a:r>
+            <a:r>
+              <a:rPr lang="en-US" dirty="0"/>
+              <a:t> </a:t>
+            </a:r>
+            <a:r>
+              <a:rPr lang="en-US" dirty="0" err="1"/>
+              <a:t>os</a:t>
+            </a:r>
+            <a:r>
+              <a:rPr lang="en-US" dirty="0"/>
+              <a:t> </a:t>
+            </a:r>
+            <a:r>
+              <a:rPr lang="en-US" dirty="0" err="1"/>
+              <a:t>componentes</a:t>
+            </a:r>
+            <a:r>
+              <a:rPr lang="en-US" dirty="0"/>
+              <a:t> de </a:t>
+            </a:r>
+            <a:r>
+              <a:rPr lang="en-US" dirty="0" err="1"/>
+              <a:t>risco</a:t>
+            </a:r>
+            <a:r>
+              <a:rPr lang="en-US" dirty="0"/>
+              <a:t> da </a:t>
+            </a:r>
+            <a:r>
+              <a:rPr lang="en-US" dirty="0" err="1"/>
+              <a:t>expressão</a:t>
+            </a:r>
+            <a:endParaRPr lang="en-US" dirty="0"/>
+          </a:p>
+          <a:p>
+            <a:pPr marL="171450" indent="-171450">
+              <a:buFontTx/>
+              <a:buChar char="-"/>
+            </a:pPr>
+            <a:r>
+              <a:rPr lang="en-US" dirty="0" err="1"/>
+              <a:t>ReDoShHunter</a:t>
+            </a:r>
+            <a:r>
+              <a:rPr lang="en-US" dirty="0"/>
+              <a:t>: </a:t>
+            </a:r>
+            <a:r>
+              <a:rPr lang="en-US" dirty="0" err="1"/>
+              <a:t>gera</a:t>
+            </a:r>
+            <a:r>
+              <a:rPr lang="en-US" dirty="0"/>
+              <a:t> </a:t>
+            </a:r>
+            <a:r>
+              <a:rPr lang="en-US" dirty="0" err="1"/>
+              <a:t>os</a:t>
+            </a:r>
+            <a:r>
+              <a:rPr lang="en-US" dirty="0"/>
+              <a:t> </a:t>
+            </a:r>
+            <a:r>
+              <a:rPr lang="en-US" dirty="0" err="1"/>
+              <a:t>piores</a:t>
+            </a:r>
+            <a:r>
+              <a:rPr lang="en-US" dirty="0"/>
+              <a:t> inputs para um dado regex – </a:t>
+            </a:r>
+            <a:r>
+              <a:rPr lang="en-US" dirty="0" err="1"/>
+              <a:t>foca</a:t>
+            </a:r>
+            <a:r>
+              <a:rPr lang="en-US" dirty="0"/>
+              <a:t> </a:t>
+            </a:r>
+            <a:r>
+              <a:rPr lang="en-US" dirty="0" err="1"/>
+              <a:t>em</a:t>
+            </a:r>
+            <a:r>
+              <a:rPr lang="en-US" dirty="0"/>
+              <a:t> </a:t>
+            </a:r>
+            <a:r>
+              <a:rPr lang="en-US" dirty="0" err="1"/>
+              <a:t>cenários</a:t>
+            </a:r>
+            <a:r>
+              <a:rPr lang="en-US" dirty="0"/>
+              <a:t> reais</a:t>
+            </a:r>
+          </a:p>
+        </p:txBody>
+      </p:sp>
+      <p:sp>
+        <p:nvSpPr>
+          <p:cNvPr id="4" name="Marcador de Posição do Número do Diapositivo 3"/>
+          <p:cNvSpPr>
+            <a:spLocks noGrp="1"/>
+          </p:cNvSpPr>
+          <p:nvPr>
+            <p:ph type="sldNum" sz="quarter" idx="5"/>
+          </p:nvPr>
+        </p:nvSpPr>
+        <p:spPr/>
+        <p:txBody>
+          <a:bodyPr/>
+          <a:lstStyle/>
+          <a:p>
+            <a:fld id="{00D2B721-151F-4066-8A78-AC7D988DF614}" type="slidenum">
+              <a:rPr lang="en-US" smtClean="0"/>
+              <a:t>16</a:t>
+            </a:fld>
+            <a:endParaRPr lang="en-US" dirty="0"/>
+          </a:p>
+        </p:txBody>
+      </p:sp>
+    </p:spTree>
+    <p:extLst>
+      <p:ext uri="{BB962C8B-B14F-4D97-AF65-F5344CB8AC3E}">
+        <p14:creationId xmlns:p14="http://schemas.microsoft.com/office/powerpoint/2010/main" val="1502541441"/>
+      </p:ext>
+    </p:extLst>
+  </p:cSld>
+  <p:clrMapOvr>
+    <a:masterClrMapping/>
+  </p:clrMapOvr>
+</p:notes>
+</file>
+
+<file path=ppt/notesSlides/notesSlide12.xml><?xml version="1.0" encoding="utf-8"?>
+<p:notes xmlns:a="http://schemas.openxmlformats.org/drawingml/2006/main" xmlns:r="http://schemas.openxmlformats.org/officeDocument/2006/relationships" xmlns:p="http://schemas.openxmlformats.org/presentationml/2006/main">
+  <p:cSld>
+    <p:spTree>
+      <p:nvGrpSpPr>
+        <p:cNvPr id="1" name=""/>
+        <p:cNvGrpSpPr/>
+        <p:nvPr/>
+      </p:nvGrpSpPr>
+      <p:grpSpPr>
+        <a:xfrm>
+          <a:off x="0" y="0"/>
+          <a:ext cx="0" cy="0"/>
+          <a:chOff x="0" y="0"/>
+          <a:chExt cx="0" cy="0"/>
+        </a:xfrm>
+      </p:grpSpPr>
+      <p:sp>
+        <p:nvSpPr>
+          <p:cNvPr id="2" name="Marcador de Posição da Imagem do Diapositivo 1"/>
+          <p:cNvSpPr>
+            <a:spLocks noGrp="1" noRot="1" noChangeAspect="1"/>
+          </p:cNvSpPr>
+          <p:nvPr>
+            <p:ph type="sldImg"/>
+          </p:nvPr>
+        </p:nvSpPr>
+        <p:spPr/>
+      </p:sp>
+      <p:sp>
+        <p:nvSpPr>
+          <p:cNvPr id="3" name="Marcador de Posição de Notas 2"/>
+          <p:cNvSpPr>
+            <a:spLocks noGrp="1"/>
+          </p:cNvSpPr>
+          <p:nvPr>
+            <p:ph type="body" idx="1"/>
+          </p:nvPr>
+        </p:nvSpPr>
+        <p:spPr/>
+        <p:txBody>
+          <a:bodyPr/>
+          <a:lstStyle/>
+          <a:p>
+            <a:pPr marL="171450" indent="-171450">
+              <a:buFontTx/>
+              <a:buChar char="-"/>
+            </a:pPr>
+            <a:r>
+              <a:rPr lang="en-US" dirty="0"/>
+              <a:t>O counting é a </a:t>
+            </a:r>
+            <a:r>
+              <a:rPr lang="en-US" dirty="0" err="1"/>
+              <a:t>notação</a:t>
+            </a:r>
+            <a:r>
+              <a:rPr lang="en-US" dirty="0"/>
+              <a:t> </a:t>
+            </a:r>
+            <a:r>
+              <a:rPr lang="en-US" dirty="0" err="1"/>
+              <a:t>em</a:t>
+            </a:r>
+            <a:r>
+              <a:rPr lang="en-US" dirty="0"/>
+              <a:t> </a:t>
+            </a:r>
+            <a:r>
+              <a:rPr lang="en-US" dirty="0" err="1"/>
+              <a:t>expressões</a:t>
+            </a:r>
+            <a:r>
+              <a:rPr lang="en-US" dirty="0"/>
+              <a:t> </a:t>
+            </a:r>
+            <a:r>
+              <a:rPr lang="en-US" dirty="0" err="1"/>
+              <a:t>regulares</a:t>
+            </a:r>
+            <a:r>
+              <a:rPr lang="en-US" dirty="0"/>
+              <a:t> </a:t>
+            </a:r>
+            <a:r>
+              <a:rPr lang="en-US" dirty="0" err="1"/>
+              <a:t>que</a:t>
+            </a:r>
+            <a:r>
+              <a:rPr lang="en-US" dirty="0"/>
+              <a:t> </a:t>
+            </a:r>
+            <a:r>
+              <a:rPr lang="en-US" dirty="0" err="1"/>
+              <a:t>permite</a:t>
+            </a:r>
+            <a:r>
+              <a:rPr lang="en-US" dirty="0"/>
+              <a:t> a </a:t>
+            </a:r>
+            <a:r>
+              <a:rPr lang="en-US" dirty="0" err="1"/>
+              <a:t>inserção</a:t>
+            </a:r>
+            <a:r>
+              <a:rPr lang="en-US" dirty="0"/>
+              <a:t> de </a:t>
+            </a:r>
+            <a:r>
+              <a:rPr lang="en-US" dirty="0" err="1"/>
+              <a:t>limites</a:t>
+            </a:r>
+            <a:r>
+              <a:rPr lang="en-US" dirty="0"/>
+              <a:t> </a:t>
+            </a:r>
+            <a:r>
+              <a:rPr lang="en-US" dirty="0" err="1"/>
+              <a:t>numéricos</a:t>
+            </a:r>
+            <a:r>
+              <a:rPr lang="en-US" dirty="0"/>
+              <a:t> de </a:t>
+            </a:r>
+            <a:r>
+              <a:rPr lang="en-US" dirty="0" err="1"/>
+              <a:t>repetição</a:t>
+            </a:r>
+            <a:r>
+              <a:rPr lang="en-US" dirty="0"/>
+              <a:t> de </a:t>
+            </a:r>
+            <a:r>
+              <a:rPr lang="en-US" dirty="0" err="1"/>
+              <a:t>símbolos</a:t>
+            </a:r>
+            <a:r>
+              <a:rPr lang="en-US" dirty="0"/>
+              <a:t>/</a:t>
+            </a:r>
+            <a:r>
+              <a:rPr lang="en-US" dirty="0" err="1"/>
+              <a:t>padrões</a:t>
+            </a:r>
+            <a:r>
+              <a:rPr lang="en-US" dirty="0"/>
+              <a:t> – </a:t>
+            </a:r>
+            <a:r>
+              <a:rPr lang="en-US" dirty="0" err="1"/>
+              <a:t>como</a:t>
+            </a:r>
+            <a:r>
+              <a:rPr lang="en-US" dirty="0"/>
+              <a:t> </a:t>
+            </a:r>
+            <a:r>
+              <a:rPr lang="en-US" dirty="0" err="1"/>
+              <a:t>por</a:t>
+            </a:r>
+            <a:r>
+              <a:rPr lang="en-US" dirty="0"/>
+              <a:t> </a:t>
+            </a:r>
+            <a:r>
+              <a:rPr lang="en-US" dirty="0" err="1"/>
+              <a:t>exemplo</a:t>
+            </a:r>
+            <a:r>
+              <a:rPr lang="en-US" dirty="0"/>
+              <a:t> 30 a’s, etc..</a:t>
+            </a:r>
+          </a:p>
+          <a:p>
+            <a:pPr marL="171450" indent="-171450">
+              <a:buFontTx/>
+              <a:buChar char="-"/>
+            </a:pPr>
+            <a:r>
+              <a:rPr lang="en-US" dirty="0" err="1"/>
+              <a:t>Possível</a:t>
+            </a:r>
+            <a:r>
+              <a:rPr lang="en-US" dirty="0"/>
+              <a:t> </a:t>
+            </a:r>
+            <a:r>
+              <a:rPr lang="en-US" dirty="0" err="1"/>
+              <a:t>na</a:t>
+            </a:r>
+            <a:r>
+              <a:rPr lang="en-US" dirty="0"/>
+              <a:t> Teoria, </a:t>
+            </a:r>
+            <a:r>
+              <a:rPr lang="en-US" dirty="0" err="1"/>
+              <a:t>dificil</a:t>
+            </a:r>
+            <a:r>
+              <a:rPr lang="en-US" dirty="0"/>
+              <a:t> de </a:t>
+            </a:r>
+            <a:r>
+              <a:rPr lang="en-US" dirty="0" err="1"/>
+              <a:t>implementar</a:t>
+            </a:r>
+            <a:r>
+              <a:rPr lang="en-US" dirty="0"/>
+              <a:t> </a:t>
+            </a:r>
+            <a:r>
+              <a:rPr lang="en-US" dirty="0" err="1"/>
+              <a:t>eficientemente</a:t>
+            </a:r>
+            <a:r>
+              <a:rPr lang="en-US" dirty="0"/>
+              <a:t> </a:t>
+            </a:r>
+            <a:r>
+              <a:rPr lang="en-US" dirty="0" err="1"/>
+              <a:t>em</a:t>
+            </a:r>
+            <a:r>
+              <a:rPr lang="en-US" dirty="0"/>
+              <a:t> </a:t>
+            </a:r>
+            <a:r>
+              <a:rPr lang="en-US" dirty="0" err="1"/>
+              <a:t>automatos</a:t>
+            </a:r>
+            <a:r>
+              <a:rPr lang="en-US" dirty="0"/>
+              <a:t> (</a:t>
+            </a:r>
+            <a:r>
+              <a:rPr lang="en-US" dirty="0" err="1"/>
+              <a:t>explosão</a:t>
+            </a:r>
+            <a:r>
+              <a:rPr lang="en-US" dirty="0"/>
+              <a:t> de </a:t>
+            </a:r>
+            <a:r>
+              <a:rPr lang="en-US" dirty="0" err="1"/>
+              <a:t>estados</a:t>
+            </a:r>
+            <a:r>
+              <a:rPr lang="en-US" dirty="0"/>
+              <a:t>)</a:t>
+            </a:r>
+          </a:p>
+          <a:p>
+            <a:pPr marL="171450" indent="-171450">
+              <a:buFontTx/>
+              <a:buChar char="-"/>
+            </a:pPr>
+            <a:r>
+              <a:rPr lang="en-US" dirty="0" err="1"/>
+              <a:t>Muitos</a:t>
+            </a:r>
+            <a:r>
+              <a:rPr lang="en-US" dirty="0"/>
+              <a:t> </a:t>
+            </a:r>
+            <a:r>
+              <a:rPr lang="en-US" dirty="0" err="1"/>
+              <a:t>motores</a:t>
+            </a:r>
+            <a:r>
+              <a:rPr lang="en-US" dirty="0"/>
+              <a:t> </a:t>
+            </a:r>
+            <a:r>
+              <a:rPr lang="en-US" dirty="0" err="1"/>
+              <a:t>atuais</a:t>
+            </a:r>
+            <a:r>
+              <a:rPr lang="en-US" dirty="0"/>
+              <a:t> </a:t>
+            </a:r>
+            <a:r>
+              <a:rPr lang="en-US" dirty="0" err="1"/>
+              <a:t>permitem</a:t>
+            </a:r>
+            <a:r>
+              <a:rPr lang="en-US" dirty="0"/>
+              <a:t> o counting com o backtracking (</a:t>
+            </a:r>
+            <a:r>
+              <a:rPr lang="en-US" dirty="0" err="1"/>
+              <a:t>ineficiente</a:t>
+            </a:r>
+            <a:r>
+              <a:rPr lang="en-US" dirty="0"/>
+              <a:t> / </a:t>
+            </a:r>
+            <a:r>
+              <a:rPr lang="en-US" dirty="0" err="1"/>
+              <a:t>pouco</a:t>
+            </a:r>
+            <a:r>
+              <a:rPr lang="en-US" dirty="0"/>
+              <a:t> Seguro)</a:t>
+            </a:r>
+          </a:p>
+          <a:p>
+            <a:pPr marL="171450" indent="-171450">
+              <a:buFontTx/>
+              <a:buChar char="-"/>
+            </a:pPr>
+            <a:r>
+              <a:rPr lang="en-US" dirty="0" err="1"/>
+              <a:t>Objetivo</a:t>
+            </a:r>
+            <a:r>
+              <a:rPr lang="en-US" dirty="0"/>
+              <a:t>: </a:t>
+            </a:r>
+            <a:r>
+              <a:rPr lang="en-US" dirty="0" err="1"/>
+              <a:t>tentar</a:t>
+            </a:r>
+            <a:r>
+              <a:rPr lang="en-US" dirty="0"/>
+              <a:t> </a:t>
+            </a:r>
+            <a:r>
+              <a:rPr lang="en-US" dirty="0" err="1"/>
+              <a:t>implementar</a:t>
+            </a:r>
+            <a:r>
+              <a:rPr lang="en-US" dirty="0"/>
+              <a:t> Counting </a:t>
+            </a:r>
+            <a:r>
+              <a:rPr lang="en-US" dirty="0" err="1"/>
+              <a:t>na</a:t>
+            </a:r>
+            <a:r>
+              <a:rPr lang="en-US" dirty="0"/>
+              <a:t> </a:t>
+            </a:r>
+            <a:r>
+              <a:rPr lang="en-US" dirty="0" err="1"/>
+              <a:t>biblioteca</a:t>
+            </a:r>
+            <a:r>
+              <a:rPr lang="en-US" dirty="0"/>
+              <a:t> Fado de </a:t>
+            </a:r>
+            <a:r>
+              <a:rPr lang="en-US" dirty="0" err="1"/>
+              <a:t>uma</a:t>
+            </a:r>
+            <a:r>
+              <a:rPr lang="en-US" dirty="0"/>
+              <a:t> </a:t>
+            </a:r>
+            <a:r>
+              <a:rPr lang="en-US" dirty="0" err="1"/>
+              <a:t>maneira</a:t>
+            </a:r>
+            <a:r>
+              <a:rPr lang="en-US" dirty="0"/>
+              <a:t> </a:t>
+            </a:r>
+            <a:r>
+              <a:rPr lang="en-US" dirty="0" err="1"/>
+              <a:t>que</a:t>
+            </a:r>
+            <a:r>
+              <a:rPr lang="en-US" dirty="0"/>
+              <a:t> </a:t>
+            </a:r>
+            <a:r>
+              <a:rPr lang="en-US" dirty="0" err="1"/>
+              <a:t>seja</a:t>
+            </a:r>
+            <a:r>
+              <a:rPr lang="en-US" dirty="0"/>
+              <a:t> </a:t>
+            </a:r>
+            <a:r>
+              <a:rPr lang="en-US" dirty="0" err="1"/>
+              <a:t>eficiente</a:t>
+            </a:r>
+            <a:r>
+              <a:rPr lang="en-US" dirty="0"/>
+              <a:t>, </a:t>
+            </a:r>
+            <a:r>
+              <a:rPr lang="en-US" dirty="0" err="1"/>
+              <a:t>não</a:t>
+            </a:r>
+            <a:r>
+              <a:rPr lang="en-US" dirty="0"/>
+              <a:t> utilize backtracking e </a:t>
+            </a:r>
+            <a:r>
+              <a:rPr lang="en-US" dirty="0" err="1"/>
+              <a:t>seja</a:t>
+            </a:r>
+            <a:r>
+              <a:rPr lang="en-US" dirty="0"/>
+              <a:t> </a:t>
+            </a:r>
+            <a:r>
+              <a:rPr lang="en-US" dirty="0" err="1"/>
+              <a:t>resistente</a:t>
+            </a:r>
+            <a:r>
+              <a:rPr lang="en-US" dirty="0"/>
+              <a:t> a </a:t>
+            </a:r>
+            <a:r>
+              <a:rPr lang="en-US" dirty="0" err="1"/>
+              <a:t>ReDoS</a:t>
+            </a:r>
+            <a:endParaRPr lang="en-US" dirty="0"/>
+          </a:p>
+        </p:txBody>
+      </p:sp>
+      <p:sp>
+        <p:nvSpPr>
+          <p:cNvPr id="4" name="Marcador de Posição do Número do Diapositivo 3"/>
+          <p:cNvSpPr>
+            <a:spLocks noGrp="1"/>
+          </p:cNvSpPr>
+          <p:nvPr>
+            <p:ph type="sldNum" sz="quarter" idx="5"/>
+          </p:nvPr>
+        </p:nvSpPr>
+        <p:spPr/>
+        <p:txBody>
+          <a:bodyPr/>
+          <a:lstStyle/>
+          <a:p>
+            <a:fld id="{00D2B721-151F-4066-8A78-AC7D988DF614}" type="slidenum">
+              <a:rPr lang="en-US" smtClean="0"/>
+              <a:t>17</a:t>
+            </a:fld>
+            <a:endParaRPr lang="en-US" dirty="0"/>
+          </a:p>
+        </p:txBody>
+      </p:sp>
+    </p:spTree>
+    <p:extLst>
+      <p:ext uri="{BB962C8B-B14F-4D97-AF65-F5344CB8AC3E}">
+        <p14:creationId xmlns:p14="http://schemas.microsoft.com/office/powerpoint/2010/main" val="1182058115"/>
+      </p:ext>
+    </p:extLst>
+  </p:cSld>
+  <p:clrMapOvr>
+    <a:masterClrMapping/>
+  </p:clrMapOvr>
+</p:notes>
+</file>
+
 <file path=ppt/notesSlides/notesSlide2.xml><?xml version="1.0" encoding="utf-8"?>
 <p:notes xmlns:a="http://schemas.openxmlformats.org/drawingml/2006/main" xmlns:r="http://schemas.openxmlformats.org/officeDocument/2006/relationships" xmlns:p="http://schemas.openxmlformats.org/presentationml/2006/main">
   <p:cSld>
@@ -2512,7 +3626,7 @@
           <a:p>
             <a:fld id="{861EB3BC-644A-49E8-AF28-CFCA11E842FD}" type="datetimeFigureOut">
               <a:rPr lang="en-US" smtClean="0"/>
-              <a:t>12/3/2025</a:t>
+              <a:t>12/4/2025</a:t>
             </a:fld>
             <a:endParaRPr lang="en-US" dirty="0"/>
           </a:p>
@@ -2712,7 +3826,7 @@
           <a:p>
             <a:fld id="{861EB3BC-644A-49E8-AF28-CFCA11E842FD}" type="datetimeFigureOut">
               <a:rPr lang="en-US" smtClean="0"/>
-              <a:t>12/3/2025</a:t>
+              <a:t>12/4/2025</a:t>
             </a:fld>
             <a:endParaRPr lang="en-US" dirty="0"/>
           </a:p>
@@ -2922,7 +4036,7 @@
           <a:p>
             <a:fld id="{861EB3BC-644A-49E8-AF28-CFCA11E842FD}" type="datetimeFigureOut">
               <a:rPr lang="en-US" smtClean="0"/>
-              <a:t>12/3/2025</a:t>
+              <a:t>12/4/2025</a:t>
             </a:fld>
             <a:endParaRPr lang="en-US" dirty="0"/>
           </a:p>
@@ -3122,7 +4236,7 @@
           <a:p>
             <a:fld id="{861EB3BC-644A-49E8-AF28-CFCA11E842FD}" type="datetimeFigureOut">
               <a:rPr lang="en-US" smtClean="0"/>
-              <a:t>12/3/2025</a:t>
+              <a:t>12/4/2025</a:t>
             </a:fld>
             <a:endParaRPr lang="en-US" dirty="0"/>
           </a:p>
@@ -3398,7 +4512,7 @@
           <a:p>
             <a:fld id="{861EB3BC-644A-49E8-AF28-CFCA11E842FD}" type="datetimeFigureOut">
               <a:rPr lang="en-US" smtClean="0"/>
-              <a:t>12/3/2025</a:t>
+              <a:t>12/4/2025</a:t>
             </a:fld>
             <a:endParaRPr lang="en-US" dirty="0"/>
           </a:p>
@@ -3666,7 +4780,7 @@
           <a:p>
             <a:fld id="{861EB3BC-644A-49E8-AF28-CFCA11E842FD}" type="datetimeFigureOut">
               <a:rPr lang="en-US" smtClean="0"/>
-              <a:t>12/3/2025</a:t>
+              <a:t>12/4/2025</a:t>
             </a:fld>
             <a:endParaRPr lang="en-US" dirty="0"/>
           </a:p>
@@ -4081,7 +5195,7 @@
           <a:p>
             <a:fld id="{861EB3BC-644A-49E8-AF28-CFCA11E842FD}" type="datetimeFigureOut">
               <a:rPr lang="en-US" smtClean="0"/>
-              <a:t>12/3/2025</a:t>
+              <a:t>12/4/2025</a:t>
             </a:fld>
             <a:endParaRPr lang="en-US" dirty="0"/>
           </a:p>
@@ -4223,7 +5337,7 @@
           <a:p>
             <a:fld id="{861EB3BC-644A-49E8-AF28-CFCA11E842FD}" type="datetimeFigureOut">
               <a:rPr lang="en-US" smtClean="0"/>
-              <a:t>12/3/2025</a:t>
+              <a:t>12/4/2025</a:t>
             </a:fld>
             <a:endParaRPr lang="en-US" dirty="0"/>
           </a:p>
@@ -4336,7 +5450,7 @@
           <a:p>
             <a:fld id="{861EB3BC-644A-49E8-AF28-CFCA11E842FD}" type="datetimeFigureOut">
               <a:rPr lang="en-US" smtClean="0"/>
-              <a:t>12/3/2025</a:t>
+              <a:t>12/4/2025</a:t>
             </a:fld>
             <a:endParaRPr lang="en-US" dirty="0"/>
           </a:p>
@@ -4649,7 +5763,7 @@
           <a:p>
             <a:fld id="{861EB3BC-644A-49E8-AF28-CFCA11E842FD}" type="datetimeFigureOut">
               <a:rPr lang="en-US" smtClean="0"/>
-              <a:t>12/3/2025</a:t>
+              <a:t>12/4/2025</a:t>
             </a:fld>
             <a:endParaRPr lang="en-US" dirty="0"/>
           </a:p>
@@ -4938,7 +6052,7 @@
           <a:p>
             <a:fld id="{861EB3BC-644A-49E8-AF28-CFCA11E842FD}" type="datetimeFigureOut">
               <a:rPr lang="en-US" smtClean="0"/>
-              <a:t>12/3/2025</a:t>
+              <a:t>12/4/2025</a:t>
             </a:fld>
             <a:endParaRPr lang="en-US" dirty="0"/>
           </a:p>
@@ -5181,7 +6295,7 @@
           <a:p>
             <a:fld id="{861EB3BC-644A-49E8-AF28-CFCA11E842FD}" type="datetimeFigureOut">
               <a:rPr lang="en-US" smtClean="0"/>
-              <a:t>12/3/2025</a:t>
+              <a:t>12/4/2025</a:t>
             </a:fld>
             <a:endParaRPr lang="en-US" dirty="0"/>
           </a:p>
@@ -9817,7 +10931,7 @@
           <p:nvPr/>
         </p:nvPicPr>
         <p:blipFill>
-          <a:blip r:embed="rId2">
+          <a:blip r:embed="rId3">
             <a:extLst>
               <a:ext uri="{28A0092B-C50C-407E-A947-70E740481C1C}">
                 <a14:useLocalDpi xmlns:a14="http://schemas.microsoft.com/office/drawing/2010/main" val="0"/>
@@ -9853,7 +10967,7 @@
           <p:nvPr/>
         </p:nvPicPr>
         <p:blipFill>
-          <a:blip r:embed="rId3">
+          <a:blip r:embed="rId4">
             <a:extLst>
               <a:ext uri="{28A0092B-C50C-407E-A947-70E740481C1C}">
                 <a14:useLocalDpi xmlns:a14="http://schemas.microsoft.com/office/drawing/2010/main" val="0"/>
@@ -9998,7 +11112,7 @@
           <p:nvPr/>
         </p:nvPicPr>
         <p:blipFill>
-          <a:blip r:embed="rId2">
+          <a:blip r:embed="rId3">
             <a:extLst>
               <a:ext uri="{28A0092B-C50C-407E-A947-70E740481C1C}">
                 <a14:useLocalDpi xmlns:a14="http://schemas.microsoft.com/office/drawing/2010/main" val="0"/>
@@ -10034,7 +11148,7 @@
           <p:nvPr/>
         </p:nvPicPr>
         <p:blipFill>
-          <a:blip r:embed="rId3">
+          <a:blip r:embed="rId4">
             <a:extLst>
               <a:ext uri="{28A0092B-C50C-407E-A947-70E740481C1C}">
                 <a14:useLocalDpi xmlns:a14="http://schemas.microsoft.com/office/drawing/2010/main" val="0"/>
@@ -10196,7 +11310,7 @@
           <p:nvPr/>
         </p:nvPicPr>
         <p:blipFill>
-          <a:blip r:embed="rId2">
+          <a:blip r:embed="rId3">
             <a:extLst>
               <a:ext uri="{28A0092B-C50C-407E-A947-70E740481C1C}">
                 <a14:useLocalDpi xmlns:a14="http://schemas.microsoft.com/office/drawing/2010/main" val="0"/>
@@ -10232,7 +11346,7 @@
           <p:nvPr/>
         </p:nvPicPr>
         <p:blipFill>
-          <a:blip r:embed="rId3">
+          <a:blip r:embed="rId4">
             <a:extLst>
               <a:ext uri="{28A0092B-C50C-407E-A947-70E740481C1C}">
                 <a14:useLocalDpi xmlns:a14="http://schemas.microsoft.com/office/drawing/2010/main" val="0"/>
@@ -14976,8 +16090,8 @@
           </a:p>
         </p:txBody>
       </p:sp>
-      <mc:AlternateContent xmlns:mc="http://schemas.openxmlformats.org/markup-compatibility/2006">
-        <mc:Choice xmlns:a14="http://schemas.microsoft.com/office/drawing/2010/main" Requires="a14">
+      <mc:AlternateContent xmlns:mc="http://schemas.openxmlformats.org/markup-compatibility/2006" xmlns:a14="http://schemas.microsoft.com/office/drawing/2010/main">
+        <mc:Choice Requires="a14">
           <p:sp>
             <p:nvSpPr>
               <p:cNvPr id="3" name="Marcador de Posição de Conteúdo 2">
@@ -15149,7 +16263,7 @@
             </p:txBody>
           </p:sp>
         </mc:Choice>
-        <mc:Fallback>
+        <mc:Fallback xmlns="">
           <p:sp>
             <p:nvSpPr>
               <p:cNvPr id="3" name="Marcador de Posição de Conteúdo 2">
